--- a/システム構成図.pptx
+++ b/システム構成図.pptx
@@ -243,7 +243,7 @@
           <a:p>
             <a:fld id="{1BDC6FBE-EBE0-4EBD-9C98-5CBFBE1BCE03}" type="datetimeFigureOut">
               <a:rPr kumimoji="1" lang="ja-JP" altLang="en-US" smtClean="0"/>
-              <a:t>2022/3/27</a:t>
+              <a:t>2022/4/17</a:t>
             </a:fld>
             <a:endParaRPr kumimoji="1" lang="ja-JP" altLang="en-US"/>
           </a:p>
@@ -445,7 +445,7 @@
           <a:p>
             <a:fld id="{1BDC6FBE-EBE0-4EBD-9C98-5CBFBE1BCE03}" type="datetimeFigureOut">
               <a:rPr kumimoji="1" lang="ja-JP" altLang="en-US" smtClean="0"/>
-              <a:t>2022/3/27</a:t>
+              <a:t>2022/4/17</a:t>
             </a:fld>
             <a:endParaRPr kumimoji="1" lang="ja-JP" altLang="en-US"/>
           </a:p>
@@ -657,7 +657,7 @@
           <a:p>
             <a:fld id="{1BDC6FBE-EBE0-4EBD-9C98-5CBFBE1BCE03}" type="datetimeFigureOut">
               <a:rPr kumimoji="1" lang="ja-JP" altLang="en-US" smtClean="0"/>
-              <a:t>2022/3/27</a:t>
+              <a:t>2022/4/17</a:t>
             </a:fld>
             <a:endParaRPr kumimoji="1" lang="ja-JP" altLang="en-US"/>
           </a:p>
@@ -859,7 +859,7 @@
           <a:p>
             <a:fld id="{1BDC6FBE-EBE0-4EBD-9C98-5CBFBE1BCE03}" type="datetimeFigureOut">
               <a:rPr kumimoji="1" lang="ja-JP" altLang="en-US" smtClean="0"/>
-              <a:t>2022/3/27</a:t>
+              <a:t>2022/4/17</a:t>
             </a:fld>
             <a:endParaRPr kumimoji="1" lang="ja-JP" altLang="en-US"/>
           </a:p>
@@ -1105,7 +1105,7 @@
           <a:p>
             <a:fld id="{1BDC6FBE-EBE0-4EBD-9C98-5CBFBE1BCE03}" type="datetimeFigureOut">
               <a:rPr kumimoji="1" lang="ja-JP" altLang="en-US" smtClean="0"/>
-              <a:t>2022/3/27</a:t>
+              <a:t>2022/4/17</a:t>
             </a:fld>
             <a:endParaRPr kumimoji="1" lang="ja-JP" altLang="en-US"/>
           </a:p>
@@ -1401,7 +1401,7 @@
           <a:p>
             <a:fld id="{1BDC6FBE-EBE0-4EBD-9C98-5CBFBE1BCE03}" type="datetimeFigureOut">
               <a:rPr kumimoji="1" lang="ja-JP" altLang="en-US" smtClean="0"/>
-              <a:t>2022/3/27</a:t>
+              <a:t>2022/4/17</a:t>
             </a:fld>
             <a:endParaRPr kumimoji="1" lang="ja-JP" altLang="en-US"/>
           </a:p>
@@ -1832,7 +1832,7 @@
           <a:p>
             <a:fld id="{1BDC6FBE-EBE0-4EBD-9C98-5CBFBE1BCE03}" type="datetimeFigureOut">
               <a:rPr kumimoji="1" lang="ja-JP" altLang="en-US" smtClean="0"/>
-              <a:t>2022/3/27</a:t>
+              <a:t>2022/4/17</a:t>
             </a:fld>
             <a:endParaRPr kumimoji="1" lang="ja-JP" altLang="en-US"/>
           </a:p>
@@ -1950,7 +1950,7 @@
           <a:p>
             <a:fld id="{1BDC6FBE-EBE0-4EBD-9C98-5CBFBE1BCE03}" type="datetimeFigureOut">
               <a:rPr kumimoji="1" lang="ja-JP" altLang="en-US" smtClean="0"/>
-              <a:t>2022/3/27</a:t>
+              <a:t>2022/4/17</a:t>
             </a:fld>
             <a:endParaRPr kumimoji="1" lang="ja-JP" altLang="en-US"/>
           </a:p>
@@ -2045,7 +2045,7 @@
           <a:p>
             <a:fld id="{1BDC6FBE-EBE0-4EBD-9C98-5CBFBE1BCE03}" type="datetimeFigureOut">
               <a:rPr kumimoji="1" lang="ja-JP" altLang="en-US" smtClean="0"/>
-              <a:t>2022/3/27</a:t>
+              <a:t>2022/4/17</a:t>
             </a:fld>
             <a:endParaRPr kumimoji="1" lang="ja-JP" altLang="en-US"/>
           </a:p>
@@ -2354,7 +2354,7 @@
           <a:p>
             <a:fld id="{1BDC6FBE-EBE0-4EBD-9C98-5CBFBE1BCE03}" type="datetimeFigureOut">
               <a:rPr kumimoji="1" lang="ja-JP" altLang="en-US" smtClean="0"/>
-              <a:t>2022/3/27</a:t>
+              <a:t>2022/4/17</a:t>
             </a:fld>
             <a:endParaRPr kumimoji="1" lang="ja-JP" altLang="en-US"/>
           </a:p>
@@ -2607,7 +2607,7 @@
           <a:p>
             <a:fld id="{1BDC6FBE-EBE0-4EBD-9C98-5CBFBE1BCE03}" type="datetimeFigureOut">
               <a:rPr kumimoji="1" lang="ja-JP" altLang="en-US" smtClean="0"/>
-              <a:t>2022/3/27</a:t>
+              <a:t>2022/4/17</a:t>
             </a:fld>
             <a:endParaRPr kumimoji="1" lang="ja-JP" altLang="en-US"/>
           </a:p>
@@ -2852,7 +2852,7 @@
           <a:p>
             <a:fld id="{1BDC6FBE-EBE0-4EBD-9C98-5CBFBE1BCE03}" type="datetimeFigureOut">
               <a:rPr kumimoji="1" lang="ja-JP" altLang="en-US" smtClean="0"/>
-              <a:t>2022/3/27</a:t>
+              <a:t>2022/4/17</a:t>
             </a:fld>
             <a:endParaRPr kumimoji="1" lang="ja-JP" altLang="en-US"/>
           </a:p>
@@ -3271,8 +3271,8 @@
         </p:nvSpPr>
         <p:spPr>
           <a:xfrm>
-            <a:off x="5750747" y="2829169"/>
-            <a:ext cx="2288467" cy="3006140"/>
+            <a:off x="4476207" y="2829169"/>
+            <a:ext cx="3563008" cy="3006140"/>
           </a:xfrm>
           <a:prstGeom prst="rect">
             <a:avLst/>
@@ -3344,8 +3344,8 @@
         </p:nvSpPr>
         <p:spPr>
           <a:xfrm>
-            <a:off x="3554788" y="2833616"/>
-            <a:ext cx="1904325" cy="3001693"/>
+            <a:off x="3472160" y="2833616"/>
+            <a:ext cx="944406" cy="3001693"/>
           </a:xfrm>
           <a:prstGeom prst="rect">
             <a:avLst/>
@@ -3987,7 +3987,7 @@
         </p:blipFill>
         <p:spPr bwMode="auto">
           <a:xfrm>
-            <a:off x="5753153" y="2824722"/>
+            <a:off x="4471219" y="2850207"/>
             <a:ext cx="274637" cy="274638"/>
           </a:xfrm>
           <a:prstGeom prst="rect">
@@ -4184,18 +4184,7 @@
                 <a:ea typeface="Amazon Ember" panose="020B0603020204020204" pitchFamily="34" charset="0"/>
                 <a:cs typeface="Arial" panose="020B0604020202020204" pitchFamily="34" charset="0"/>
               </a:rPr>
-              <a:t>Amazon </a:t>
-            </a:r>
-            <a:r>
-              <a:rPr kumimoji="0" lang="en-US" altLang="en-US" sz="1200" dirty="0" smtClean="0">
-                <a:solidFill>
-                  <a:prstClr val="black"/>
-                </a:solidFill>
-                <a:latin typeface="Arial" panose="020B0604020202020204" pitchFamily="34" charset="0"/>
-                <a:ea typeface="Amazon Ember" panose="020B0603020204020204" pitchFamily="34" charset="0"/>
-                <a:cs typeface="Arial" panose="020B0604020202020204" pitchFamily="34" charset="0"/>
-              </a:rPr>
-              <a:t>ECS</a:t>
+              <a:t>Amazon ECS</a:t>
             </a:r>
           </a:p>
           <a:p>
@@ -4406,18 +4395,7 @@
                 <a:ea typeface="Amazon Ember" panose="020B0603020204020204" pitchFamily="34" charset="0"/>
                 <a:cs typeface="Arial" panose="020B0604020202020204" pitchFamily="34" charset="0"/>
               </a:rPr>
-              <a:t>Amazon </a:t>
-            </a:r>
-            <a:r>
-              <a:rPr kumimoji="0" lang="en-US" altLang="en-US" sz="1200" dirty="0" smtClean="0">
-                <a:solidFill>
-                  <a:prstClr val="black"/>
-                </a:solidFill>
-                <a:latin typeface="Arial" panose="020B0604020202020204" pitchFamily="34" charset="0"/>
-                <a:ea typeface="Amazon Ember" panose="020B0603020204020204" pitchFamily="34" charset="0"/>
-                <a:cs typeface="Arial" panose="020B0604020202020204" pitchFamily="34" charset="0"/>
-              </a:rPr>
-              <a:t>ECS</a:t>
+              <a:t>Amazon ECS</a:t>
             </a:r>
           </a:p>
           <a:p>
@@ -4491,7 +4469,7 @@
         </p:blipFill>
         <p:spPr bwMode="auto">
           <a:xfrm>
-            <a:off x="3568017" y="2829169"/>
+            <a:off x="3472690" y="2830504"/>
             <a:ext cx="274638" cy="274638"/>
           </a:xfrm>
           <a:prstGeom prst="rect">
@@ -5022,7 +5000,7 @@
         </p:nvSpPr>
         <p:spPr bwMode="auto">
           <a:xfrm>
-            <a:off x="3916724" y="5450538"/>
+            <a:off x="3375653" y="5503640"/>
             <a:ext cx="1234766" cy="261610"/>
           </a:xfrm>
           <a:prstGeom prst="rect">
@@ -5196,7 +5174,7 @@
         </p:blipFill>
         <p:spPr bwMode="auto">
           <a:xfrm>
-            <a:off x="4312980" y="4991751"/>
+            <a:off x="3764337" y="4991751"/>
             <a:ext cx="457200" cy="457200"/>
           </a:xfrm>
           <a:prstGeom prst="rect">
@@ -6171,7 +6149,7 @@
         </p:nvSpPr>
         <p:spPr bwMode="auto">
           <a:xfrm>
-            <a:off x="3348000" y="4305476"/>
+            <a:off x="3278650" y="3602439"/>
             <a:ext cx="1339850" cy="261610"/>
           </a:xfrm>
           <a:prstGeom prst="rect">
@@ -6306,12 +6284,28 @@
           <a:p>
             <a:pPr algn="ctr" eaLnBrk="1" hangingPunct="1"/>
             <a:r>
+              <a:rPr lang="en-US" altLang="en-US" sz="1100" dirty="0" smtClean="0">
+                <a:latin typeface="Arial" panose="020B0604020202020204" pitchFamily="34" charset="0"/>
+                <a:ea typeface="Amazon Ember" panose="020B0603020204020204" pitchFamily="34" charset="0"/>
+                <a:cs typeface="Arial" panose="020B0604020202020204" pitchFamily="34" charset="0"/>
+              </a:rPr>
+              <a:t>EC2(</a:t>
+            </a:r>
+            <a:r>
               <a:rPr lang="en-US" altLang="ja-JP" sz="1100" dirty="0" smtClean="0">
                 <a:latin typeface="Arial" panose="020B0604020202020204" pitchFamily="34" charset="0"/>
                 <a:ea typeface="Amazon Ember" panose="020B0603020204020204" pitchFamily="34" charset="0"/>
                 <a:cs typeface="Arial" panose="020B0604020202020204" pitchFamily="34" charset="0"/>
               </a:rPr>
-              <a:t>ALB</a:t>
+              <a:t>Bastion</a:t>
+            </a:r>
+            <a:r>
+              <a:rPr lang="en-US" altLang="en-US" sz="1100" dirty="0" smtClean="0">
+                <a:latin typeface="Arial" panose="020B0604020202020204" pitchFamily="34" charset="0"/>
+                <a:ea typeface="Amazon Ember" panose="020B0603020204020204" pitchFamily="34" charset="0"/>
+                <a:cs typeface="Arial" panose="020B0604020202020204" pitchFamily="34" charset="0"/>
+              </a:rPr>
+              <a:t>)</a:t>
             </a:r>
             <a:endParaRPr lang="en-US" altLang="en-US" sz="1100" dirty="0">
               <a:latin typeface="Arial" panose="020B0604020202020204" pitchFamily="34" charset="0"/>
@@ -7929,8 +7923,8 @@
         </p:nvCxnSpPr>
         <p:spPr bwMode="auto">
           <a:xfrm rot="5400000">
-            <a:off x="5890459" y="3843573"/>
-            <a:ext cx="256500" cy="2497057"/>
+            <a:off x="5616137" y="3569251"/>
+            <a:ext cx="256500" cy="3045700"/>
           </a:xfrm>
           <a:prstGeom prst="bentConnector2">
             <a:avLst/>
@@ -7976,8 +7970,8 @@
         </p:nvCxnSpPr>
         <p:spPr bwMode="auto">
           <a:xfrm rot="10800000">
-            <a:off x="3183414" y="4760461"/>
-            <a:ext cx="1129566" cy="459891"/>
+            <a:off x="3183415" y="4760461"/>
+            <a:ext cx="580923" cy="459891"/>
           </a:xfrm>
           <a:prstGeom prst="bentConnector2">
             <a:avLst/>
@@ -8557,7 +8551,7 @@
         </p:nvSpPr>
         <p:spPr bwMode="auto">
           <a:xfrm>
-            <a:off x="1663441" y="3649448"/>
+            <a:off x="1654832" y="4148346"/>
             <a:ext cx="1172945" cy="461665"/>
           </a:xfrm>
           <a:prstGeom prst="rect">
@@ -12858,6 +12852,358 @@
           </a:extLst>
         </p:spPr>
       </p:pic>
+      <p:cxnSp>
+        <p:nvCxnSpPr>
+          <p:cNvPr id="101" name="Straight Arrow Connector 7">
+            <a:extLst>
+              <a:ext uri="{FF2B5EF4-FFF2-40B4-BE49-F238E27FC236}">
+                <a16:creationId xmlns:a16="http://schemas.microsoft.com/office/drawing/2014/main" xmlns="" id="{BE8B935A-C79A-474F-B360-31F0544C304F}"/>
+              </a:ext>
+            </a:extLst>
+          </p:cNvPr>
+          <p:cNvCxnSpPr>
+            <a:endCxn id="34" idx="3"/>
+          </p:cNvCxnSpPr>
+          <p:nvPr/>
+        </p:nvCxnSpPr>
+        <p:spPr bwMode="auto">
+          <a:xfrm rot="10800000" flipV="1">
+            <a:off x="4221538" y="4862013"/>
+            <a:ext cx="493865" cy="358338"/>
+          </a:xfrm>
+          <a:prstGeom prst="bentConnector3">
+            <a:avLst>
+              <a:gd name="adj1" fmla="val 16496"/>
+            </a:avLst>
+          </a:prstGeom>
+          <a:ln w="12700">
+            <a:solidFill>
+              <a:srgbClr val="545B64"/>
+            </a:solidFill>
+            <a:prstDash val="dash"/>
+            <a:headEnd type="none" w="med" len="sm"/>
+            <a:tailEnd type="arrow" w="med" len="sm"/>
+          </a:ln>
+        </p:spPr>
+        <p:style>
+          <a:lnRef idx="1">
+            <a:schemeClr val="accent1"/>
+          </a:lnRef>
+          <a:fillRef idx="0">
+            <a:schemeClr val="accent1"/>
+          </a:fillRef>
+          <a:effectRef idx="0">
+            <a:schemeClr val="accent1"/>
+          </a:effectRef>
+          <a:fontRef idx="minor">
+            <a:schemeClr val="tx1"/>
+          </a:fontRef>
+        </p:style>
+      </p:cxnSp>
+      <p:pic>
+        <p:nvPicPr>
+          <p:cNvPr id="102" name="Graphic 5">
+            <a:extLst>
+              <a:ext uri="{FF2B5EF4-FFF2-40B4-BE49-F238E27FC236}">
+                <a16:creationId xmlns:a16="http://schemas.microsoft.com/office/drawing/2014/main" xmlns="" id="{38622D4A-AB16-E74E-A250-BDBAAFFAA603}"/>
+              </a:ext>
+            </a:extLst>
+          </p:cNvPr>
+          <p:cNvPicPr>
+            <a:picLocks noChangeAspect="1" noChangeArrowheads="1"/>
+          </p:cNvPicPr>
+          <p:nvPr/>
+        </p:nvPicPr>
+        <p:blipFill>
+          <a:blip r:embed="rId38" cstate="print">
+            <a:extLst>
+              <a:ext uri="{28A0092B-C50C-407E-A947-70E740481C1C}">
+                <a14:useLocalDpi xmlns:a14="http://schemas.microsoft.com/office/drawing/2010/main" val="0"/>
+              </a:ext>
+            </a:extLst>
+          </a:blip>
+          <a:srcRect/>
+          <a:stretch>
+            <a:fillRect/>
+          </a:stretch>
+        </p:blipFill>
+        <p:spPr bwMode="auto">
+          <a:xfrm>
+            <a:off x="3832653" y="3339356"/>
+            <a:ext cx="289061" cy="289061"/>
+          </a:xfrm>
+          <a:prstGeom prst="rect">
+            <a:avLst/>
+          </a:prstGeom>
+          <a:noFill/>
+          <a:ln>
+            <a:noFill/>
+          </a:ln>
+          <a:extLst>
+            <a:ext uri="{909E8E84-426E-40DD-AFC4-6F175D3DCCD1}">
+              <a14:hiddenFill xmlns:a14="http://schemas.microsoft.com/office/drawing/2010/main">
+                <a:solidFill>
+                  <a:srgbClr val="FFFFFF"/>
+                </a:solidFill>
+              </a14:hiddenFill>
+            </a:ext>
+            <a:ext uri="{91240B29-F687-4F45-9708-019B960494DF}">
+              <a14:hiddenLine xmlns:a14="http://schemas.microsoft.com/office/drawing/2010/main" w="9525">
+                <a:solidFill>
+                  <a:srgbClr val="000000"/>
+                </a:solidFill>
+                <a:miter lim="800000"/>
+                <a:headEnd/>
+                <a:tailEnd/>
+              </a14:hiddenLine>
+            </a:ext>
+          </a:extLst>
+        </p:spPr>
+      </p:pic>
+      <p:cxnSp>
+        <p:nvCxnSpPr>
+          <p:cNvPr id="105" name="Straight Arrow Connector 7">
+            <a:extLst>
+              <a:ext uri="{FF2B5EF4-FFF2-40B4-BE49-F238E27FC236}">
+                <a16:creationId xmlns:a16="http://schemas.microsoft.com/office/drawing/2014/main" xmlns="" id="{BE8B935A-C79A-474F-B360-31F0544C304F}"/>
+              </a:ext>
+            </a:extLst>
+          </p:cNvPr>
+          <p:cNvCxnSpPr>
+            <a:stCxn id="39" idx="0"/>
+            <a:endCxn id="102" idx="1"/>
+          </p:cNvCxnSpPr>
+          <p:nvPr/>
+        </p:nvCxnSpPr>
+        <p:spPr bwMode="auto">
+          <a:xfrm rot="5400000" flipH="1" flipV="1">
+            <a:off x="2405042" y="2464757"/>
+            <a:ext cx="408481" cy="2446742"/>
+          </a:xfrm>
+          <a:prstGeom prst="bentConnector2">
+            <a:avLst/>
+          </a:prstGeom>
+          <a:ln w="12700">
+            <a:solidFill>
+              <a:srgbClr val="545B64"/>
+            </a:solidFill>
+            <a:headEnd type="none" w="med" len="sm"/>
+            <a:tailEnd type="arrow" w="med" len="sm"/>
+          </a:ln>
+        </p:spPr>
+        <p:style>
+          <a:lnRef idx="1">
+            <a:schemeClr val="accent1"/>
+          </a:lnRef>
+          <a:fillRef idx="0">
+            <a:schemeClr val="accent1"/>
+          </a:fillRef>
+          <a:effectRef idx="0">
+            <a:schemeClr val="accent1"/>
+          </a:effectRef>
+          <a:fontRef idx="minor">
+            <a:schemeClr val="tx1"/>
+          </a:fontRef>
+        </p:style>
+      </p:cxnSp>
+      <p:sp>
+        <p:nvSpPr>
+          <p:cNvPr id="106" name="TextBox 9">
+            <a:extLst>
+              <a:ext uri="{FF2B5EF4-FFF2-40B4-BE49-F238E27FC236}">
+                <a16:creationId xmlns:a16="http://schemas.microsoft.com/office/drawing/2014/main" xmlns="" id="{E887444F-3FEC-A145-98AF-5C8B08A0C59A}"/>
+              </a:ext>
+            </a:extLst>
+          </p:cNvPr>
+          <p:cNvSpPr txBox="1">
+            <a:spLocks noChangeArrowheads="1"/>
+          </p:cNvSpPr>
+          <p:nvPr/>
+        </p:nvSpPr>
+        <p:spPr bwMode="auto">
+          <a:xfrm>
+            <a:off x="1540522" y="3021507"/>
+            <a:ext cx="1941193" cy="400110"/>
+          </a:xfrm>
+          <a:prstGeom prst="rect">
+            <a:avLst/>
+          </a:prstGeom>
+          <a:solidFill>
+            <a:schemeClr val="bg1"/>
+          </a:solidFill>
+          <a:ln>
+            <a:noFill/>
+          </a:ln>
+          <a:extLst/>
+        </p:spPr>
+        <p:txBody>
+          <a:bodyPr wrap="square">
+            <a:spAutoFit/>
+          </a:bodyPr>
+          <a:lstStyle>
+            <a:lvl1pPr>
+              <a:defRPr>
+                <a:solidFill>
+                  <a:schemeClr val="tx1"/>
+                </a:solidFill>
+                <a:latin typeface="Calibri" panose="020F0502020204030204" pitchFamily="34" charset="0"/>
+              </a:defRPr>
+            </a:lvl1pPr>
+            <a:lvl2pPr marL="742950" indent="-285750">
+              <a:defRPr>
+                <a:solidFill>
+                  <a:schemeClr val="tx1"/>
+                </a:solidFill>
+                <a:latin typeface="Calibri" panose="020F0502020204030204" pitchFamily="34" charset="0"/>
+              </a:defRPr>
+            </a:lvl2pPr>
+            <a:lvl3pPr marL="1143000" indent="-228600">
+              <a:defRPr>
+                <a:solidFill>
+                  <a:schemeClr val="tx1"/>
+                </a:solidFill>
+                <a:latin typeface="Calibri" panose="020F0502020204030204" pitchFamily="34" charset="0"/>
+              </a:defRPr>
+            </a:lvl3pPr>
+            <a:lvl4pPr marL="1600200" indent="-228600">
+              <a:defRPr>
+                <a:solidFill>
+                  <a:schemeClr val="tx1"/>
+                </a:solidFill>
+                <a:latin typeface="Calibri" panose="020F0502020204030204" pitchFamily="34" charset="0"/>
+              </a:defRPr>
+            </a:lvl4pPr>
+            <a:lvl5pPr marL="2057400" indent="-228600">
+              <a:defRPr>
+                <a:solidFill>
+                  <a:schemeClr val="tx1"/>
+                </a:solidFill>
+                <a:latin typeface="Calibri" panose="020F0502020204030204" pitchFamily="34" charset="0"/>
+              </a:defRPr>
+            </a:lvl5pPr>
+            <a:lvl6pPr marL="2514600" indent="-228600" eaLnBrk="0" fontAlgn="base" hangingPunct="0">
+              <a:spcBef>
+                <a:spcPct val="0"/>
+              </a:spcBef>
+              <a:spcAft>
+                <a:spcPct val="0"/>
+              </a:spcAft>
+              <a:defRPr>
+                <a:solidFill>
+                  <a:schemeClr val="tx1"/>
+                </a:solidFill>
+                <a:latin typeface="Calibri" panose="020F0502020204030204" pitchFamily="34" charset="0"/>
+              </a:defRPr>
+            </a:lvl6pPr>
+            <a:lvl7pPr marL="2971800" indent="-228600" eaLnBrk="0" fontAlgn="base" hangingPunct="0">
+              <a:spcBef>
+                <a:spcPct val="0"/>
+              </a:spcBef>
+              <a:spcAft>
+                <a:spcPct val="0"/>
+              </a:spcAft>
+              <a:defRPr>
+                <a:solidFill>
+                  <a:schemeClr val="tx1"/>
+                </a:solidFill>
+                <a:latin typeface="Calibri" panose="020F0502020204030204" pitchFamily="34" charset="0"/>
+              </a:defRPr>
+            </a:lvl7pPr>
+            <a:lvl8pPr marL="3429000" indent="-228600" eaLnBrk="0" fontAlgn="base" hangingPunct="0">
+              <a:spcBef>
+                <a:spcPct val="0"/>
+              </a:spcBef>
+              <a:spcAft>
+                <a:spcPct val="0"/>
+              </a:spcAft>
+              <a:defRPr>
+                <a:solidFill>
+                  <a:schemeClr val="tx1"/>
+                </a:solidFill>
+                <a:latin typeface="Calibri" panose="020F0502020204030204" pitchFamily="34" charset="0"/>
+              </a:defRPr>
+            </a:lvl8pPr>
+            <a:lvl9pPr marL="3886200" indent="-228600" eaLnBrk="0" fontAlgn="base" hangingPunct="0">
+              <a:spcBef>
+                <a:spcPct val="0"/>
+              </a:spcBef>
+              <a:spcAft>
+                <a:spcPct val="0"/>
+              </a:spcAft>
+              <a:defRPr>
+                <a:solidFill>
+                  <a:schemeClr val="tx1"/>
+                </a:solidFill>
+                <a:latin typeface="Calibri" panose="020F0502020204030204" pitchFamily="34" charset="0"/>
+              </a:defRPr>
+            </a:lvl9pPr>
+          </a:lstStyle>
+          <a:p>
+            <a:pPr algn="ctr" eaLnBrk="1" hangingPunct="1"/>
+            <a:r>
+              <a:rPr lang="en-US" altLang="ja-JP" sz="1000" dirty="0" smtClean="0">
+                <a:latin typeface="Arial" panose="020B0604020202020204" pitchFamily="34" charset="0"/>
+                <a:ea typeface="Amazon Ember" panose="020B0603020204020204" pitchFamily="34" charset="0"/>
+                <a:cs typeface="Arial" panose="020B0604020202020204" pitchFamily="34" charset="0"/>
+              </a:rPr>
+              <a:t>※SSH</a:t>
+            </a:r>
+            <a:r>
+              <a:rPr lang="ja-JP" altLang="en-US" sz="1000" dirty="0" smtClean="0">
+                <a:latin typeface="Arial" panose="020B0604020202020204" pitchFamily="34" charset="0"/>
+                <a:ea typeface="Amazon Ember" panose="020B0603020204020204" pitchFamily="34" charset="0"/>
+                <a:cs typeface="Arial" panose="020B0604020202020204" pitchFamily="34" charset="0"/>
+              </a:rPr>
+              <a:t>で</a:t>
+            </a:r>
+            <a:r>
+              <a:rPr lang="en-US" altLang="ja-JP" sz="1000" dirty="0" smtClean="0">
+                <a:latin typeface="Arial" panose="020B0604020202020204" pitchFamily="34" charset="0"/>
+                <a:ea typeface="Amazon Ember" panose="020B0603020204020204" pitchFamily="34" charset="0"/>
+                <a:cs typeface="Arial" panose="020B0604020202020204" pitchFamily="34" charset="0"/>
+              </a:rPr>
+              <a:t>Bastion</a:t>
+            </a:r>
+            <a:r>
+              <a:rPr lang="ja-JP" altLang="en-US" sz="1000" dirty="0" smtClean="0">
+                <a:latin typeface="Arial" panose="020B0604020202020204" pitchFamily="34" charset="0"/>
+                <a:ea typeface="Amazon Ember" panose="020B0603020204020204" pitchFamily="34" charset="0"/>
+                <a:cs typeface="Arial" panose="020B0604020202020204" pitchFamily="34" charset="0"/>
+              </a:rPr>
+              <a:t>ログインして</a:t>
+            </a:r>
+            <a:endParaRPr lang="en-US" altLang="ja-JP" sz="1000" dirty="0" smtClean="0">
+              <a:latin typeface="Arial" panose="020B0604020202020204" pitchFamily="34" charset="0"/>
+              <a:ea typeface="Amazon Ember" panose="020B0603020204020204" pitchFamily="34" charset="0"/>
+              <a:cs typeface="Arial" panose="020B0604020202020204" pitchFamily="34" charset="0"/>
+            </a:endParaRPr>
+          </a:p>
+          <a:p>
+            <a:pPr algn="ctr" eaLnBrk="1" hangingPunct="1"/>
+            <a:r>
+              <a:rPr lang="en-US" altLang="ja-JP" sz="1000" dirty="0" smtClean="0">
+                <a:latin typeface="Arial" panose="020B0604020202020204" pitchFamily="34" charset="0"/>
+                <a:ea typeface="Amazon Ember" panose="020B0603020204020204" pitchFamily="34" charset="0"/>
+                <a:cs typeface="Arial" panose="020B0604020202020204" pitchFamily="34" charset="0"/>
+              </a:rPr>
+              <a:t>Private Subnet</a:t>
+            </a:r>
+            <a:r>
+              <a:rPr lang="ja-JP" altLang="en-US" sz="1000" dirty="0" smtClean="0">
+                <a:latin typeface="Arial" panose="020B0604020202020204" pitchFamily="34" charset="0"/>
+                <a:ea typeface="Amazon Ember" panose="020B0603020204020204" pitchFamily="34" charset="0"/>
+                <a:cs typeface="Arial" panose="020B0604020202020204" pitchFamily="34" charset="0"/>
+              </a:rPr>
+              <a:t>へアクセス可</a:t>
+            </a:r>
+            <a:endParaRPr lang="en-US" altLang="en-US" sz="1000" dirty="0">
+              <a:latin typeface="Arial" panose="020B0604020202020204" pitchFamily="34" charset="0"/>
+              <a:ea typeface="Amazon Ember" panose="020B0603020204020204" pitchFamily="34" charset="0"/>
+              <a:cs typeface="Arial" panose="020B0604020202020204" pitchFamily="34" charset="0"/>
+            </a:endParaRPr>
+          </a:p>
+        </p:txBody>
+      </p:sp>
     </p:spTree>
     <p:extLst>
       <p:ext uri="{BB962C8B-B14F-4D97-AF65-F5344CB8AC3E}">
